--- a/Sharks.pptx
+++ b/Sharks.pptx
@@ -110,6 +110,11 @@
       </a:defRPr>
     </a:lvl9pPr>
   </p:defaultTextStyle>
+  <p:extLst>
+    <p:ext uri="{EFAFB233-063F-42B5-8137-9DF3F51BA10A}">
+      <p15:sldGuideLst xmlns:p15="http://schemas.microsoft.com/office/powerpoint/2012/main"/>
+    </p:ext>
+  </p:extLst>
 </p:presentation>
 </file>
 
@@ -276,7 +281,7 @@
           <a:p>
             <a:fld id="{6DAC3F06-AF6E-5C47-BAB3-749E6B00B491}" type="datetimeFigureOut">
               <a:rPr lang="es-MX" smtClean="0"/>
-              <a:t>22/08/22</a:t>
+              <a:t>23/08/22</a:t>
             </a:fld>
             <a:endParaRPr lang="es-MX"/>
           </a:p>
@@ -446,7 +451,7 @@
           <a:p>
             <a:fld id="{6DAC3F06-AF6E-5C47-BAB3-749E6B00B491}" type="datetimeFigureOut">
               <a:rPr lang="es-MX" smtClean="0"/>
-              <a:t>22/08/22</a:t>
+              <a:t>23/08/22</a:t>
             </a:fld>
             <a:endParaRPr lang="es-MX"/>
           </a:p>
@@ -626,7 +631,7 @@
           <a:p>
             <a:fld id="{6DAC3F06-AF6E-5C47-BAB3-749E6B00B491}" type="datetimeFigureOut">
               <a:rPr lang="es-MX" smtClean="0"/>
-              <a:t>22/08/22</a:t>
+              <a:t>23/08/22</a:t>
             </a:fld>
             <a:endParaRPr lang="es-MX"/>
           </a:p>
@@ -796,7 +801,7 @@
           <a:p>
             <a:fld id="{6DAC3F06-AF6E-5C47-BAB3-749E6B00B491}" type="datetimeFigureOut">
               <a:rPr lang="es-MX" smtClean="0"/>
-              <a:t>22/08/22</a:t>
+              <a:t>23/08/22</a:t>
             </a:fld>
             <a:endParaRPr lang="es-MX"/>
           </a:p>
@@ -1064,7 +1069,7 @@
           <a:p>
             <a:fld id="{6DAC3F06-AF6E-5C47-BAB3-749E6B00B491}" type="datetimeFigureOut">
               <a:rPr lang="es-MX" smtClean="0"/>
-              <a:t>22/08/22</a:t>
+              <a:t>23/08/22</a:t>
             </a:fld>
             <a:endParaRPr lang="es-MX"/>
           </a:p>
@@ -1296,7 +1301,7 @@
           <a:p>
             <a:fld id="{6DAC3F06-AF6E-5C47-BAB3-749E6B00B491}" type="datetimeFigureOut">
               <a:rPr lang="es-MX" smtClean="0"/>
-              <a:t>22/08/22</a:t>
+              <a:t>23/08/22</a:t>
             </a:fld>
             <a:endParaRPr lang="es-MX"/>
           </a:p>
@@ -1655,7 +1660,7 @@
           <a:p>
             <a:fld id="{6DAC3F06-AF6E-5C47-BAB3-749E6B00B491}" type="datetimeFigureOut">
               <a:rPr lang="es-MX" smtClean="0"/>
-              <a:t>22/08/22</a:t>
+              <a:t>23/08/22</a:t>
             </a:fld>
             <a:endParaRPr lang="es-MX"/>
           </a:p>
@@ -1796,7 +1801,7 @@
           <a:p>
             <a:fld id="{6DAC3F06-AF6E-5C47-BAB3-749E6B00B491}" type="datetimeFigureOut">
               <a:rPr lang="es-MX" smtClean="0"/>
-              <a:t>22/08/22</a:t>
+              <a:t>23/08/22</a:t>
             </a:fld>
             <a:endParaRPr lang="es-MX"/>
           </a:p>
@@ -1891,7 +1896,7 @@
           <a:p>
             <a:fld id="{6DAC3F06-AF6E-5C47-BAB3-749E6B00B491}" type="datetimeFigureOut">
               <a:rPr lang="es-MX" smtClean="0"/>
-              <a:t>22/08/22</a:t>
+              <a:t>23/08/22</a:t>
             </a:fld>
             <a:endParaRPr lang="es-MX"/>
           </a:p>
@@ -2248,7 +2253,7 @@
           <a:p>
             <a:fld id="{6DAC3F06-AF6E-5C47-BAB3-749E6B00B491}" type="datetimeFigureOut">
               <a:rPr lang="es-MX" smtClean="0"/>
-              <a:t>22/08/22</a:t>
+              <a:t>23/08/22</a:t>
             </a:fld>
             <a:endParaRPr lang="es-MX"/>
           </a:p>
@@ -2605,7 +2610,7 @@
           <a:p>
             <a:fld id="{6DAC3F06-AF6E-5C47-BAB3-749E6B00B491}" type="datetimeFigureOut">
               <a:rPr lang="es-MX" smtClean="0"/>
-              <a:t>22/08/22</a:t>
+              <a:t>23/08/22</a:t>
             </a:fld>
             <a:endParaRPr lang="es-MX"/>
           </a:p>
@@ -2847,7 +2852,7 @@
           <a:p>
             <a:fld id="{6DAC3F06-AF6E-5C47-BAB3-749E6B00B491}" type="datetimeFigureOut">
               <a:rPr lang="es-MX" smtClean="0"/>
-              <a:t>22/08/22</a:t>
+              <a:t>23/08/22</a:t>
             </a:fld>
             <a:endParaRPr lang="es-MX"/>
           </a:p>
@@ -3492,8 +3497,13 @@
             </a:pPr>
             <a:r>
               <a:rPr lang="es-MX" sz="2400" dirty="0"/>
-              <a:t>Todos los gráficos son comparativos en porcentaje ya que muchos valores nulos fueron eliminados. Por ese motivo no sería muy acertado comparar variables con el numero total de ataques ya que el número de ataques no es muy preciso.</a:t>
-            </a:r>
+              <a:t>Todos los gráficos son comparativos en porcentaje ya que muchos registros fueron eliminados. Por ese motivo no sería muy preciso comparar variables con el numero total </a:t>
+            </a:r>
+            <a:r>
+              <a:rPr lang="es-MX" sz="2400"/>
+              <a:t>de ataques.</a:t>
+            </a:r>
+            <a:endParaRPr lang="es-MX" sz="2400" dirty="0"/>
           </a:p>
           <a:p>
             <a:pPr>
